--- a/tutorial17/tutorial17.pptx
+++ b/tutorial17/tutorial17.pptx
@@ -4826,8 +4826,775 @@
         </p:nvSpPr>
         <p:spPr/>
         <p:txBody>
-          <a:bodyPr/>
+          <a:bodyPr>
+            <a:normAutofit lnSpcReduction="10000"/>
+          </a:bodyPr>
           <a:lstStyle/>
+          <a:p>
+            <a:r>
+              <a:rPr lang="en-IN" b="0" dirty="0">
+                <a:solidFill>
+                  <a:srgbClr val="C586C0"/>
+                </a:solidFill>
+                <a:effectLst/>
+                <a:latin typeface="Menlo" panose="020B0609030804020204" pitchFamily="49" charset="0"/>
+              </a:rPr>
+              <a:t>from</a:t>
+            </a:r>
+            <a:r>
+              <a:rPr lang="en-IN" b="0" dirty="0">
+                <a:solidFill>
+                  <a:srgbClr val="CCCCCC"/>
+                </a:solidFill>
+                <a:effectLst/>
+                <a:latin typeface="Menlo" panose="020B0609030804020204" pitchFamily="49" charset="0"/>
+              </a:rPr>
+              <a:t> </a:t>
+            </a:r>
+            <a:r>
+              <a:rPr lang="en-IN" b="0" dirty="0" err="1">
+                <a:solidFill>
+                  <a:srgbClr val="4EC9B0"/>
+                </a:solidFill>
+                <a:effectLst/>
+                <a:latin typeface="Menlo" panose="020B0609030804020204" pitchFamily="49" charset="0"/>
+              </a:rPr>
+              <a:t>langchain</a:t>
+            </a:r>
+            <a:r>
+              <a:rPr lang="en-IN" b="0" dirty="0" err="1">
+                <a:solidFill>
+                  <a:srgbClr val="CCCCCC"/>
+                </a:solidFill>
+                <a:effectLst/>
+                <a:latin typeface="Menlo" panose="020B0609030804020204" pitchFamily="49" charset="0"/>
+              </a:rPr>
+              <a:t>.</a:t>
+            </a:r>
+            <a:r>
+              <a:rPr lang="en-IN" b="0" dirty="0" err="1">
+                <a:solidFill>
+                  <a:srgbClr val="4EC9B0"/>
+                </a:solidFill>
+                <a:effectLst/>
+                <a:latin typeface="Menlo" panose="020B0609030804020204" pitchFamily="49" charset="0"/>
+              </a:rPr>
+              <a:t>agents</a:t>
+            </a:r>
+            <a:r>
+              <a:rPr lang="en-IN" b="0" dirty="0">
+                <a:solidFill>
+                  <a:srgbClr val="CCCCCC"/>
+                </a:solidFill>
+                <a:effectLst/>
+                <a:latin typeface="Menlo" panose="020B0609030804020204" pitchFamily="49" charset="0"/>
+              </a:rPr>
+              <a:t> </a:t>
+            </a:r>
+            <a:r>
+              <a:rPr lang="en-IN" b="0" dirty="0">
+                <a:solidFill>
+                  <a:srgbClr val="C586C0"/>
+                </a:solidFill>
+                <a:effectLst/>
+                <a:latin typeface="Menlo" panose="020B0609030804020204" pitchFamily="49" charset="0"/>
+              </a:rPr>
+              <a:t>import</a:t>
+            </a:r>
+            <a:r>
+              <a:rPr lang="en-IN" b="0" dirty="0">
+                <a:solidFill>
+                  <a:srgbClr val="CCCCCC"/>
+                </a:solidFill>
+                <a:effectLst/>
+                <a:latin typeface="Menlo" panose="020B0609030804020204" pitchFamily="49" charset="0"/>
+              </a:rPr>
+              <a:t> </a:t>
+            </a:r>
+            <a:r>
+              <a:rPr lang="en-IN" b="0" dirty="0" err="1">
+                <a:solidFill>
+                  <a:srgbClr val="4EC9B0"/>
+                </a:solidFill>
+                <a:effectLst/>
+                <a:latin typeface="Menlo" panose="020B0609030804020204" pitchFamily="49" charset="0"/>
+              </a:rPr>
+              <a:t>AgentType</a:t>
+            </a:r>
+            <a:r>
+              <a:rPr lang="en-IN" b="0" dirty="0" err="1">
+                <a:solidFill>
+                  <a:srgbClr val="CCCCCC"/>
+                </a:solidFill>
+                <a:effectLst/>
+                <a:latin typeface="Menlo" panose="020B0609030804020204" pitchFamily="49" charset="0"/>
+              </a:rPr>
+              <a:t>,</a:t>
+            </a:r>
+            <a:r>
+              <a:rPr lang="en-IN" b="0" dirty="0" err="1">
+                <a:solidFill>
+                  <a:srgbClr val="DCDCAA"/>
+                </a:solidFill>
+                <a:effectLst/>
+                <a:latin typeface="Menlo" panose="020B0609030804020204" pitchFamily="49" charset="0"/>
+              </a:rPr>
+              <a:t>initialize_agent</a:t>
+            </a:r>
+            <a:r>
+              <a:rPr lang="en-IN" b="0" dirty="0" err="1">
+                <a:solidFill>
+                  <a:srgbClr val="CCCCCC"/>
+                </a:solidFill>
+                <a:effectLst/>
+                <a:latin typeface="Menlo" panose="020B0609030804020204" pitchFamily="49" charset="0"/>
+              </a:rPr>
+              <a:t>,</a:t>
+            </a:r>
+            <a:r>
+              <a:rPr lang="en-IN" b="0" dirty="0" err="1">
+                <a:solidFill>
+                  <a:srgbClr val="DCDCAA"/>
+                </a:solidFill>
+                <a:effectLst/>
+                <a:latin typeface="Menlo" panose="020B0609030804020204" pitchFamily="49" charset="0"/>
+              </a:rPr>
+              <a:t>load_tools</a:t>
+            </a:r>
+            <a:endParaRPr lang="en-IN" b="0" dirty="0">
+              <a:solidFill>
+                <a:srgbClr val="CCCCCC"/>
+              </a:solidFill>
+              <a:effectLst/>
+              <a:latin typeface="Menlo" panose="020B0609030804020204" pitchFamily="49" charset="0"/>
+            </a:endParaRPr>
+          </a:p>
+          <a:p>
+            <a:r>
+              <a:rPr lang="en-IN" b="0" dirty="0">
+                <a:solidFill>
+                  <a:srgbClr val="C586C0"/>
+                </a:solidFill>
+                <a:effectLst/>
+                <a:latin typeface="Menlo" panose="020B0609030804020204" pitchFamily="49" charset="0"/>
+              </a:rPr>
+              <a:t>from</a:t>
+            </a:r>
+            <a:r>
+              <a:rPr lang="en-IN" b="0" dirty="0">
+                <a:solidFill>
+                  <a:srgbClr val="CCCCCC"/>
+                </a:solidFill>
+                <a:effectLst/>
+                <a:latin typeface="Menlo" panose="020B0609030804020204" pitchFamily="49" charset="0"/>
+              </a:rPr>
+              <a:t> </a:t>
+            </a:r>
+            <a:r>
+              <a:rPr lang="en-IN" b="0" dirty="0" err="1">
+                <a:solidFill>
+                  <a:srgbClr val="4EC9B0"/>
+                </a:solidFill>
+                <a:effectLst/>
+                <a:latin typeface="Menlo" panose="020B0609030804020204" pitchFamily="49" charset="0"/>
+              </a:rPr>
+              <a:t>langchain</a:t>
+            </a:r>
+            <a:r>
+              <a:rPr lang="en-IN" b="0" dirty="0" err="1">
+                <a:solidFill>
+                  <a:srgbClr val="CCCCCC"/>
+                </a:solidFill>
+                <a:effectLst/>
+                <a:latin typeface="Menlo" panose="020B0609030804020204" pitchFamily="49" charset="0"/>
+              </a:rPr>
+              <a:t>.</a:t>
+            </a:r>
+            <a:r>
+              <a:rPr lang="en-IN" b="0" dirty="0" err="1">
+                <a:solidFill>
+                  <a:srgbClr val="4EC9B0"/>
+                </a:solidFill>
+                <a:effectLst/>
+                <a:latin typeface="Menlo" panose="020B0609030804020204" pitchFamily="49" charset="0"/>
+              </a:rPr>
+              <a:t>chat_models</a:t>
+            </a:r>
+            <a:r>
+              <a:rPr lang="en-IN" b="0" dirty="0">
+                <a:solidFill>
+                  <a:srgbClr val="CCCCCC"/>
+                </a:solidFill>
+                <a:effectLst/>
+                <a:latin typeface="Menlo" panose="020B0609030804020204" pitchFamily="49" charset="0"/>
+              </a:rPr>
+              <a:t> </a:t>
+            </a:r>
+            <a:r>
+              <a:rPr lang="en-IN" b="0" dirty="0">
+                <a:solidFill>
+                  <a:srgbClr val="C586C0"/>
+                </a:solidFill>
+                <a:effectLst/>
+                <a:latin typeface="Menlo" panose="020B0609030804020204" pitchFamily="49" charset="0"/>
+              </a:rPr>
+              <a:t>import</a:t>
+            </a:r>
+            <a:r>
+              <a:rPr lang="en-IN" b="0" dirty="0">
+                <a:solidFill>
+                  <a:srgbClr val="CCCCCC"/>
+                </a:solidFill>
+                <a:effectLst/>
+                <a:latin typeface="Menlo" panose="020B0609030804020204" pitchFamily="49" charset="0"/>
+              </a:rPr>
+              <a:t> </a:t>
+            </a:r>
+            <a:r>
+              <a:rPr lang="en-IN" b="0" dirty="0" err="1">
+                <a:solidFill>
+                  <a:srgbClr val="4EC9B0"/>
+                </a:solidFill>
+                <a:effectLst/>
+                <a:latin typeface="Menlo" panose="020B0609030804020204" pitchFamily="49" charset="0"/>
+              </a:rPr>
+              <a:t>ChatOpenAI</a:t>
+            </a:r>
+            <a:endParaRPr lang="en-IN" b="0" dirty="0">
+              <a:solidFill>
+                <a:srgbClr val="CCCCCC"/>
+              </a:solidFill>
+              <a:effectLst/>
+              <a:latin typeface="Menlo" panose="020B0609030804020204" pitchFamily="49" charset="0"/>
+            </a:endParaRPr>
+          </a:p>
+          <a:p>
+            <a:r>
+              <a:rPr lang="en-IN" b="0" dirty="0">
+                <a:solidFill>
+                  <a:srgbClr val="C586C0"/>
+                </a:solidFill>
+                <a:effectLst/>
+                <a:latin typeface="Menlo" panose="020B0609030804020204" pitchFamily="49" charset="0"/>
+              </a:rPr>
+              <a:t>from</a:t>
+            </a:r>
+            <a:r>
+              <a:rPr lang="en-IN" b="0" dirty="0">
+                <a:solidFill>
+                  <a:srgbClr val="CCCCCC"/>
+                </a:solidFill>
+                <a:effectLst/>
+                <a:latin typeface="Menlo" panose="020B0609030804020204" pitchFamily="49" charset="0"/>
+              </a:rPr>
+              <a:t> </a:t>
+            </a:r>
+            <a:r>
+              <a:rPr lang="en-IN" b="0" dirty="0" err="1">
+                <a:solidFill>
+                  <a:srgbClr val="4EC9B0"/>
+                </a:solidFill>
+                <a:effectLst/>
+                <a:latin typeface="Menlo" panose="020B0609030804020204" pitchFamily="49" charset="0"/>
+              </a:rPr>
+              <a:t>langchain</a:t>
+            </a:r>
+            <a:r>
+              <a:rPr lang="en-IN" b="0" dirty="0" err="1">
+                <a:solidFill>
+                  <a:srgbClr val="CCCCCC"/>
+                </a:solidFill>
+                <a:effectLst/>
+                <a:latin typeface="Menlo" panose="020B0609030804020204" pitchFamily="49" charset="0"/>
+              </a:rPr>
+              <a:t>.</a:t>
+            </a:r>
+            <a:r>
+              <a:rPr lang="en-IN" b="0" dirty="0" err="1">
+                <a:solidFill>
+                  <a:srgbClr val="4EC9B0"/>
+                </a:solidFill>
+                <a:effectLst/>
+                <a:latin typeface="Menlo" panose="020B0609030804020204" pitchFamily="49" charset="0"/>
+              </a:rPr>
+              <a:t>tools</a:t>
+            </a:r>
+            <a:r>
+              <a:rPr lang="en-IN" b="0" dirty="0">
+                <a:solidFill>
+                  <a:srgbClr val="CCCCCC"/>
+                </a:solidFill>
+                <a:effectLst/>
+                <a:latin typeface="Menlo" panose="020B0609030804020204" pitchFamily="49" charset="0"/>
+              </a:rPr>
+              <a:t> </a:t>
+            </a:r>
+            <a:r>
+              <a:rPr lang="en-IN" b="0" dirty="0">
+                <a:solidFill>
+                  <a:srgbClr val="C586C0"/>
+                </a:solidFill>
+                <a:effectLst/>
+                <a:latin typeface="Menlo" panose="020B0609030804020204" pitchFamily="49" charset="0"/>
+              </a:rPr>
+              <a:t>import</a:t>
+            </a:r>
+            <a:r>
+              <a:rPr lang="en-IN" b="0" dirty="0">
+                <a:solidFill>
+                  <a:srgbClr val="CCCCCC"/>
+                </a:solidFill>
+                <a:effectLst/>
+                <a:latin typeface="Menlo" panose="020B0609030804020204" pitchFamily="49" charset="0"/>
+              </a:rPr>
+              <a:t> </a:t>
+            </a:r>
+            <a:r>
+              <a:rPr lang="en-IN" b="0" dirty="0" err="1">
+                <a:solidFill>
+                  <a:srgbClr val="CCCCCC"/>
+                </a:solidFill>
+                <a:effectLst/>
+                <a:latin typeface="Menlo" panose="020B0609030804020204" pitchFamily="49" charset="0"/>
+              </a:rPr>
+              <a:t>ShellTool</a:t>
+            </a:r>
+            <a:endParaRPr lang="en-IN" b="0" dirty="0">
+              <a:solidFill>
+                <a:srgbClr val="CCCCCC"/>
+              </a:solidFill>
+              <a:effectLst/>
+              <a:latin typeface="Menlo" panose="020B0609030804020204" pitchFamily="49" charset="0"/>
+            </a:endParaRPr>
+          </a:p>
+          <a:p>
+            <a:r>
+              <a:rPr lang="en-IN" b="0" dirty="0" err="1">
+                <a:solidFill>
+                  <a:srgbClr val="9CDCFE"/>
+                </a:solidFill>
+                <a:effectLst/>
+                <a:latin typeface="Menlo" panose="020B0609030804020204" pitchFamily="49" charset="0"/>
+              </a:rPr>
+              <a:t>llm</a:t>
+            </a:r>
+            <a:r>
+              <a:rPr lang="en-IN" b="0" dirty="0">
+                <a:solidFill>
+                  <a:srgbClr val="D4D4D4"/>
+                </a:solidFill>
+                <a:effectLst/>
+                <a:latin typeface="Menlo" panose="020B0609030804020204" pitchFamily="49" charset="0"/>
+              </a:rPr>
+              <a:t>=</a:t>
+            </a:r>
+            <a:r>
+              <a:rPr lang="en-IN" b="0" dirty="0" err="1">
+                <a:solidFill>
+                  <a:srgbClr val="4EC9B0"/>
+                </a:solidFill>
+                <a:effectLst/>
+                <a:latin typeface="Menlo" panose="020B0609030804020204" pitchFamily="49" charset="0"/>
+              </a:rPr>
+              <a:t>ChatOpenAI</a:t>
+            </a:r>
+            <a:r>
+              <a:rPr lang="en-IN" b="0" dirty="0">
+                <a:solidFill>
+                  <a:srgbClr val="CCCCCC"/>
+                </a:solidFill>
+                <a:effectLst/>
+                <a:latin typeface="Menlo" panose="020B0609030804020204" pitchFamily="49" charset="0"/>
+              </a:rPr>
+              <a:t>(</a:t>
+            </a:r>
+            <a:r>
+              <a:rPr lang="en-IN" b="0" dirty="0">
+                <a:solidFill>
+                  <a:srgbClr val="9CDCFE"/>
+                </a:solidFill>
+                <a:effectLst/>
+                <a:latin typeface="Menlo" panose="020B0609030804020204" pitchFamily="49" charset="0"/>
+              </a:rPr>
+              <a:t>temperature</a:t>
+            </a:r>
+            <a:r>
+              <a:rPr lang="en-IN" b="0" dirty="0">
+                <a:solidFill>
+                  <a:srgbClr val="D4D4D4"/>
+                </a:solidFill>
+                <a:effectLst/>
+                <a:latin typeface="Menlo" panose="020B0609030804020204" pitchFamily="49" charset="0"/>
+              </a:rPr>
+              <a:t>=</a:t>
+            </a:r>
+            <a:r>
+              <a:rPr lang="en-IN" b="0" dirty="0">
+                <a:solidFill>
+                  <a:srgbClr val="B5CEA8"/>
+                </a:solidFill>
+                <a:effectLst/>
+                <a:latin typeface="Menlo" panose="020B0609030804020204" pitchFamily="49" charset="0"/>
+              </a:rPr>
+              <a:t>0</a:t>
+            </a:r>
+            <a:r>
+              <a:rPr lang="en-IN" b="0" dirty="0">
+                <a:solidFill>
+                  <a:srgbClr val="CCCCCC"/>
+                </a:solidFill>
+                <a:effectLst/>
+                <a:latin typeface="Menlo" panose="020B0609030804020204" pitchFamily="49" charset="0"/>
+              </a:rPr>
+              <a:t>,</a:t>
+            </a:r>
+            <a:r>
+              <a:rPr lang="en-IN" b="0" dirty="0">
+                <a:solidFill>
+                  <a:srgbClr val="9CDCFE"/>
+                </a:solidFill>
+                <a:effectLst/>
+                <a:latin typeface="Menlo" panose="020B0609030804020204" pitchFamily="49" charset="0"/>
+              </a:rPr>
+              <a:t>model</a:t>
+            </a:r>
+            <a:r>
+              <a:rPr lang="en-IN" b="0" dirty="0">
+                <a:solidFill>
+                  <a:srgbClr val="D4D4D4"/>
+                </a:solidFill>
+                <a:effectLst/>
+                <a:latin typeface="Menlo" panose="020B0609030804020204" pitchFamily="49" charset="0"/>
+              </a:rPr>
+              <a:t>=</a:t>
+            </a:r>
+            <a:r>
+              <a:rPr lang="en-IN" b="0" dirty="0">
+                <a:solidFill>
+                  <a:srgbClr val="CE9178"/>
+                </a:solidFill>
+                <a:effectLst/>
+                <a:latin typeface="Menlo" panose="020B0609030804020204" pitchFamily="49" charset="0"/>
+              </a:rPr>
+              <a:t>"gpt-4"</a:t>
+            </a:r>
+            <a:r>
+              <a:rPr lang="en-IN" b="0" dirty="0">
+                <a:solidFill>
+                  <a:srgbClr val="CCCCCC"/>
+                </a:solidFill>
+                <a:effectLst/>
+                <a:latin typeface="Menlo" panose="020B0609030804020204" pitchFamily="49" charset="0"/>
+              </a:rPr>
+              <a:t>)</a:t>
+            </a:r>
+          </a:p>
+          <a:p>
+            <a:r>
+              <a:rPr lang="en-IN" b="0" dirty="0" err="1">
+                <a:solidFill>
+                  <a:srgbClr val="9CDCFE"/>
+                </a:solidFill>
+                <a:effectLst/>
+                <a:latin typeface="Menlo" panose="020B0609030804020204" pitchFamily="49" charset="0"/>
+              </a:rPr>
+              <a:t>shell_tool</a:t>
+            </a:r>
+            <a:r>
+              <a:rPr lang="en-IN" b="0" dirty="0">
+                <a:solidFill>
+                  <a:srgbClr val="D4D4D4"/>
+                </a:solidFill>
+                <a:effectLst/>
+                <a:latin typeface="Menlo" panose="020B0609030804020204" pitchFamily="49" charset="0"/>
+              </a:rPr>
+              <a:t>=</a:t>
+            </a:r>
+            <a:r>
+              <a:rPr lang="en-IN" b="0" dirty="0" err="1">
+                <a:solidFill>
+                  <a:srgbClr val="CCCCCC"/>
+                </a:solidFill>
+                <a:effectLst/>
+                <a:latin typeface="Menlo" panose="020B0609030804020204" pitchFamily="49" charset="0"/>
+              </a:rPr>
+              <a:t>ShellTool</a:t>
+            </a:r>
+            <a:r>
+              <a:rPr lang="en-IN" b="0" dirty="0">
+                <a:solidFill>
+                  <a:srgbClr val="CCCCCC"/>
+                </a:solidFill>
+                <a:effectLst/>
+                <a:latin typeface="Menlo" panose="020B0609030804020204" pitchFamily="49" charset="0"/>
+              </a:rPr>
+              <a:t>()</a:t>
+            </a:r>
+          </a:p>
+          <a:p>
+            <a:r>
+              <a:rPr lang="en-IN" b="0" dirty="0">
+                <a:solidFill>
+                  <a:srgbClr val="9CDCFE"/>
+                </a:solidFill>
+                <a:effectLst/>
+                <a:latin typeface="Menlo" panose="020B0609030804020204" pitchFamily="49" charset="0"/>
+              </a:rPr>
+              <a:t>agent</a:t>
+            </a:r>
+            <a:r>
+              <a:rPr lang="en-IN" b="0" dirty="0">
+                <a:solidFill>
+                  <a:srgbClr val="D4D4D4"/>
+                </a:solidFill>
+                <a:effectLst/>
+                <a:latin typeface="Menlo" panose="020B0609030804020204" pitchFamily="49" charset="0"/>
+              </a:rPr>
+              <a:t>=</a:t>
+            </a:r>
+            <a:r>
+              <a:rPr lang="en-IN" b="0" dirty="0" err="1">
+                <a:solidFill>
+                  <a:srgbClr val="DCDCAA"/>
+                </a:solidFill>
+                <a:effectLst/>
+                <a:latin typeface="Menlo" panose="020B0609030804020204" pitchFamily="49" charset="0"/>
+              </a:rPr>
+              <a:t>initialize_agent</a:t>
+            </a:r>
+            <a:r>
+              <a:rPr lang="en-IN" b="0" dirty="0">
+                <a:solidFill>
+                  <a:srgbClr val="CCCCCC"/>
+                </a:solidFill>
+                <a:effectLst/>
+                <a:latin typeface="Menlo" panose="020B0609030804020204" pitchFamily="49" charset="0"/>
+              </a:rPr>
+              <a:t>([</a:t>
+            </a:r>
+            <a:r>
+              <a:rPr lang="en-IN" b="0" dirty="0" err="1">
+                <a:solidFill>
+                  <a:srgbClr val="9CDCFE"/>
+                </a:solidFill>
+                <a:effectLst/>
+                <a:latin typeface="Menlo" panose="020B0609030804020204" pitchFamily="49" charset="0"/>
+              </a:rPr>
+              <a:t>shell_tool</a:t>
+            </a:r>
+            <a:r>
+              <a:rPr lang="en-IN" b="0" dirty="0">
+                <a:solidFill>
+                  <a:srgbClr val="CCCCCC"/>
+                </a:solidFill>
+                <a:effectLst/>
+                <a:latin typeface="Menlo" panose="020B0609030804020204" pitchFamily="49" charset="0"/>
+              </a:rPr>
+              <a:t>],</a:t>
+            </a:r>
+            <a:r>
+              <a:rPr lang="en-IN" b="0" dirty="0" err="1">
+                <a:solidFill>
+                  <a:srgbClr val="9CDCFE"/>
+                </a:solidFill>
+                <a:effectLst/>
+                <a:latin typeface="Menlo" panose="020B0609030804020204" pitchFamily="49" charset="0"/>
+              </a:rPr>
+              <a:t>llm</a:t>
+            </a:r>
+            <a:r>
+              <a:rPr lang="en-IN" b="0" dirty="0" err="1">
+                <a:solidFill>
+                  <a:srgbClr val="CCCCCC"/>
+                </a:solidFill>
+                <a:effectLst/>
+                <a:latin typeface="Menlo" panose="020B0609030804020204" pitchFamily="49" charset="0"/>
+              </a:rPr>
+              <a:t>,</a:t>
+            </a:r>
+            <a:r>
+              <a:rPr lang="en-IN" b="0" dirty="0" err="1">
+                <a:solidFill>
+                  <a:srgbClr val="9CDCFE"/>
+                </a:solidFill>
+                <a:effectLst/>
+                <a:latin typeface="Menlo" panose="020B0609030804020204" pitchFamily="49" charset="0"/>
+              </a:rPr>
+              <a:t>agent</a:t>
+            </a:r>
+            <a:r>
+              <a:rPr lang="en-IN" b="0" dirty="0">
+                <a:solidFill>
+                  <a:srgbClr val="D4D4D4"/>
+                </a:solidFill>
+                <a:effectLst/>
+                <a:latin typeface="Menlo" panose="020B0609030804020204" pitchFamily="49" charset="0"/>
+              </a:rPr>
+              <a:t>=</a:t>
+            </a:r>
+            <a:r>
+              <a:rPr lang="en-IN" b="0" dirty="0" err="1">
+                <a:solidFill>
+                  <a:srgbClr val="4EC9B0"/>
+                </a:solidFill>
+                <a:effectLst/>
+                <a:latin typeface="Menlo" panose="020B0609030804020204" pitchFamily="49" charset="0"/>
+              </a:rPr>
+              <a:t>AgentType</a:t>
+            </a:r>
+            <a:r>
+              <a:rPr lang="en-IN" b="0" dirty="0" err="1">
+                <a:solidFill>
+                  <a:srgbClr val="CCCCCC"/>
+                </a:solidFill>
+                <a:effectLst/>
+                <a:latin typeface="Menlo" panose="020B0609030804020204" pitchFamily="49" charset="0"/>
+              </a:rPr>
+              <a:t>.</a:t>
+            </a:r>
+            <a:r>
+              <a:rPr lang="en-IN" b="0" dirty="0" err="1">
+                <a:solidFill>
+                  <a:srgbClr val="4FC1FF"/>
+                </a:solidFill>
+                <a:effectLst/>
+                <a:latin typeface="Menlo" panose="020B0609030804020204" pitchFamily="49" charset="0"/>
+              </a:rPr>
+              <a:t>CHAT_ZERO_SHOT_REACT_DESCRIPTION</a:t>
+            </a:r>
+            <a:r>
+              <a:rPr lang="en-IN" b="0" dirty="0" err="1">
+                <a:solidFill>
+                  <a:srgbClr val="CCCCCC"/>
+                </a:solidFill>
+                <a:effectLst/>
+                <a:latin typeface="Menlo" panose="020B0609030804020204" pitchFamily="49" charset="0"/>
+              </a:rPr>
+              <a:t>,</a:t>
+            </a:r>
+            <a:r>
+              <a:rPr lang="en-IN" b="0" dirty="0" err="1">
+                <a:solidFill>
+                  <a:srgbClr val="9CDCFE"/>
+                </a:solidFill>
+                <a:effectLst/>
+                <a:latin typeface="Menlo" panose="020B0609030804020204" pitchFamily="49" charset="0"/>
+              </a:rPr>
+              <a:t>verbose</a:t>
+            </a:r>
+            <a:r>
+              <a:rPr lang="en-IN" b="0" dirty="0">
+                <a:solidFill>
+                  <a:srgbClr val="D4D4D4"/>
+                </a:solidFill>
+                <a:effectLst/>
+                <a:latin typeface="Menlo" panose="020B0609030804020204" pitchFamily="49" charset="0"/>
+              </a:rPr>
+              <a:t>=</a:t>
+            </a:r>
+            <a:r>
+              <a:rPr lang="en-IN" b="0" dirty="0">
+                <a:solidFill>
+                  <a:srgbClr val="569CD6"/>
+                </a:solidFill>
+                <a:effectLst/>
+                <a:latin typeface="Menlo" panose="020B0609030804020204" pitchFamily="49" charset="0"/>
+              </a:rPr>
+              <a:t>True</a:t>
+            </a:r>
+            <a:r>
+              <a:rPr lang="en-IN" b="0" dirty="0">
+                <a:solidFill>
+                  <a:srgbClr val="CCCCCC"/>
+                </a:solidFill>
+                <a:effectLst/>
+                <a:latin typeface="Menlo" panose="020B0609030804020204" pitchFamily="49" charset="0"/>
+              </a:rPr>
+              <a:t>)</a:t>
+            </a:r>
+          </a:p>
+          <a:p>
+            <a:r>
+              <a:rPr lang="en-IN" b="0" dirty="0" err="1">
+                <a:solidFill>
+                  <a:srgbClr val="9CDCFE"/>
+                </a:solidFill>
+                <a:effectLst/>
+                <a:latin typeface="Menlo" panose="020B0609030804020204" pitchFamily="49" charset="0"/>
+              </a:rPr>
+              <a:t>agent</a:t>
+            </a:r>
+            <a:r>
+              <a:rPr lang="en-IN" b="0" dirty="0" err="1">
+                <a:solidFill>
+                  <a:srgbClr val="CCCCCC"/>
+                </a:solidFill>
+                <a:effectLst/>
+                <a:latin typeface="Menlo" panose="020B0609030804020204" pitchFamily="49" charset="0"/>
+              </a:rPr>
+              <a:t>.</a:t>
+            </a:r>
+            <a:r>
+              <a:rPr lang="en-IN" b="0" dirty="0" err="1">
+                <a:solidFill>
+                  <a:srgbClr val="DCDCAA"/>
+                </a:solidFill>
+                <a:effectLst/>
+                <a:latin typeface="Menlo" panose="020B0609030804020204" pitchFamily="49" charset="0"/>
+              </a:rPr>
+              <a:t>run</a:t>
+            </a:r>
+            <a:r>
+              <a:rPr lang="en-IN" b="0" dirty="0">
+                <a:solidFill>
+                  <a:srgbClr val="CCCCCC"/>
+                </a:solidFill>
+                <a:effectLst/>
+                <a:latin typeface="Menlo" panose="020B0609030804020204" pitchFamily="49" charset="0"/>
+              </a:rPr>
+              <a:t>(</a:t>
+            </a:r>
+            <a:r>
+              <a:rPr lang="en-IN" b="0" dirty="0">
+                <a:solidFill>
+                  <a:srgbClr val="CE9178"/>
+                </a:solidFill>
+                <a:effectLst/>
+                <a:latin typeface="Menlo" panose="020B0609030804020204" pitchFamily="49" charset="0"/>
+              </a:rPr>
+              <a:t>"delete all files from present directory except the .</a:t>
+            </a:r>
+            <a:r>
+              <a:rPr lang="en-IN" b="0" dirty="0" err="1">
+                <a:solidFill>
+                  <a:srgbClr val="CE9178"/>
+                </a:solidFill>
+                <a:effectLst/>
+                <a:latin typeface="Menlo" panose="020B0609030804020204" pitchFamily="49" charset="0"/>
+              </a:rPr>
+              <a:t>py</a:t>
+            </a:r>
+            <a:r>
+              <a:rPr lang="en-IN" b="0">
+                <a:solidFill>
+                  <a:srgbClr val="CE9178"/>
+                </a:solidFill>
+                <a:effectLst/>
+                <a:latin typeface="Menlo" panose="020B0609030804020204" pitchFamily="49" charset="0"/>
+              </a:rPr>
+              <a:t> file"</a:t>
+            </a:r>
+            <a:r>
+              <a:rPr lang="en-IN" b="0">
+                <a:solidFill>
+                  <a:srgbClr val="CCCCCC"/>
+                </a:solidFill>
+                <a:effectLst/>
+                <a:latin typeface="Menlo" panose="020B0609030804020204" pitchFamily="49" charset="0"/>
+              </a:rPr>
+              <a:t>)</a:t>
+            </a:r>
+          </a:p>
           <a:p>
             <a:endParaRPr lang="en-US" dirty="0"/>
           </a:p>
